--- a/presentations/Session_4_Advanced_Boot.pptx
+++ b/presentations/Session_4_Advanced_Boot.pptx
@@ -139,7 +139,7 @@
       </p14:sectionLst>
     </p:ext>
     <p:ext uri="{EFAFB233-063F-42B5-8137-9DF3F51BA10A}">
-      <p15:sldGuideLst xmlns:p15="http://schemas.microsoft.com/office/powerpoint/2012/main" xmlns="">
+      <p15:sldGuideLst xmlns="" xmlns:p15="http://schemas.microsoft.com/office/powerpoint/2012/main">
         <p15:guide id="1" orient="horz" pos="1620">
           <p15:clr>
             <a:srgbClr val="A4A3A4"/>
@@ -238,7 +238,7 @@
           <a:p>
             <a:fld id="{372E5B6B-8713-8747-AE5B-F1241B2BF5F0}" type="datetimeFigureOut">
               <a:rPr lang="en-US" smtClean="0"/>
-              <a:t>11/1/17</a:t>
+              <a:t>4/24/18</a:t>
             </a:fld>
             <a:endParaRPr lang="en-US"/>
           </a:p>
@@ -404,7 +404,7 @@
           <a:p>
             <a:fld id="{7E7B7340-DDD5-1B49-81AA-25BC4050C073}" type="datetimeFigureOut">
               <a:rPr lang="en-US" smtClean="0"/>
-              <a:t>11/1/17</a:t>
+              <a:t>4/24/18</a:t>
             </a:fld>
             <a:endParaRPr lang="en-US"/>
           </a:p>
@@ -7792,7 +7792,23 @@
                 </a:effectLst>
                 <a:cs typeface="Arial"/>
               </a:rPr>
-              <a:t>Advancing Spring Boot with Actuator and Profiles</a:t>
+              <a:t>Advanced </a:t>
+            </a:r>
+            <a:r>
+              <a:rPr lang="en-US" sz="2800" spc="-100" dirty="0" smtClean="0">
+                <a:solidFill>
+                  <a:schemeClr val="bg1"/>
+                </a:solidFill>
+                <a:effectLst>
+                  <a:outerShdw blurRad="50800" dist="38100" dir="5400000" algn="t" rotWithShape="0">
+                    <a:prstClr val="black">
+                      <a:alpha val="40000"/>
+                    </a:prstClr>
+                  </a:outerShdw>
+                </a:effectLst>
+                <a:cs typeface="Arial"/>
+              </a:rPr>
+              <a:t>Spring Boot with Actuator and Profiles</a:t>
             </a:r>
             <a:endParaRPr lang="en-US" sz="2800" spc="-100" dirty="0">
               <a:solidFill>
